--- a/Interacao Humano Computador/Entregaveis/Identificação de Heurísticas.pptx
+++ b/Interacao Humano Computador/Entregaveis/Identificação de Heurísticas.pptx
@@ -450,7 +450,7 @@
           <a:p>
             <a:fld id="{C9D3D411-7F08-4C31-969D-580827E50290}" type="datetimeFigureOut">
               <a:rPr lang="pt-BR" smtClean="0"/>
-              <a:t>19/03/2024</a:t>
+              <a:t>25/03/2024</a:t>
             </a:fld>
             <a:endParaRPr lang="pt-BR"/>
           </a:p>
@@ -1538,7 +1538,7 @@
           <a:p>
             <a:fld id="{C9D3D411-7F08-4C31-969D-580827E50290}" type="datetimeFigureOut">
               <a:rPr lang="pt-BR" smtClean="0"/>
-              <a:t>19/03/2024</a:t>
+              <a:t>25/03/2024</a:t>
             </a:fld>
             <a:endParaRPr lang="pt-BR"/>
           </a:p>
@@ -2518,7 +2518,7 @@
           <a:p>
             <a:fld id="{C9D3D411-7F08-4C31-969D-580827E50290}" type="datetimeFigureOut">
               <a:rPr lang="pt-BR" smtClean="0"/>
-              <a:t>19/03/2024</a:t>
+              <a:t>25/03/2024</a:t>
             </a:fld>
             <a:endParaRPr lang="pt-BR"/>
           </a:p>
@@ -3652,7 +3652,7 @@
           <a:p>
             <a:fld id="{C9D3D411-7F08-4C31-969D-580827E50290}" type="datetimeFigureOut">
               <a:rPr lang="pt-BR" smtClean="0"/>
-              <a:t>19/03/2024</a:t>
+              <a:t>25/03/2024</a:t>
             </a:fld>
             <a:endParaRPr lang="pt-BR"/>
           </a:p>
@@ -4685,7 +4685,7 @@
           <a:p>
             <a:fld id="{C9D3D411-7F08-4C31-969D-580827E50290}" type="datetimeFigureOut">
               <a:rPr lang="pt-BR" smtClean="0"/>
-              <a:t>19/03/2024</a:t>
+              <a:t>25/03/2024</a:t>
             </a:fld>
             <a:endParaRPr lang="pt-BR"/>
           </a:p>
@@ -5345,7 +5345,7 @@
           <a:p>
             <a:fld id="{C9D3D411-7F08-4C31-969D-580827E50290}" type="datetimeFigureOut">
               <a:rPr lang="pt-BR" smtClean="0"/>
-              <a:t>19/03/2024</a:t>
+              <a:t>25/03/2024</a:t>
             </a:fld>
             <a:endParaRPr lang="pt-BR"/>
           </a:p>
@@ -6206,7 +6206,7 @@
           <a:p>
             <a:fld id="{C9D3D411-7F08-4C31-969D-580827E50290}" type="datetimeFigureOut">
               <a:rPr lang="pt-BR" smtClean="0"/>
-              <a:t>19/03/2024</a:t>
+              <a:t>25/03/2024</a:t>
             </a:fld>
             <a:endParaRPr lang="pt-BR"/>
           </a:p>
@@ -6396,7 +6396,7 @@
           <a:p>
             <a:fld id="{C9D3D411-7F08-4C31-969D-580827E50290}" type="datetimeFigureOut">
               <a:rPr lang="pt-BR" smtClean="0"/>
-              <a:t>19/03/2024</a:t>
+              <a:t>25/03/2024</a:t>
             </a:fld>
             <a:endParaRPr lang="pt-BR"/>
           </a:p>
@@ -7368,7 +7368,7 @@
           <a:p>
             <a:fld id="{C9D3D411-7F08-4C31-969D-580827E50290}" type="datetimeFigureOut">
               <a:rPr lang="pt-BR" smtClean="0"/>
-              <a:t>19/03/2024</a:t>
+              <a:t>25/03/2024</a:t>
             </a:fld>
             <a:endParaRPr lang="pt-BR"/>
           </a:p>
@@ -7579,7 +7579,7 @@
           <a:p>
             <a:fld id="{C9D3D411-7F08-4C31-969D-580827E50290}" type="datetimeFigureOut">
               <a:rPr lang="pt-BR" smtClean="0"/>
-              <a:t>19/03/2024</a:t>
+              <a:t>25/03/2024</a:t>
             </a:fld>
             <a:endParaRPr lang="pt-BR"/>
           </a:p>
@@ -8613,7 +8613,7 @@
           <a:p>
             <a:fld id="{C9D3D411-7F08-4C31-969D-580827E50290}" type="datetimeFigureOut">
               <a:rPr lang="pt-BR" smtClean="0"/>
-              <a:t>19/03/2024</a:t>
+              <a:t>25/03/2024</a:t>
             </a:fld>
             <a:endParaRPr lang="pt-BR"/>
           </a:p>
@@ -8885,7 +8885,7 @@
           <a:p>
             <a:fld id="{C9D3D411-7F08-4C31-969D-580827E50290}" type="datetimeFigureOut">
               <a:rPr lang="pt-BR" smtClean="0"/>
-              <a:t>19/03/2024</a:t>
+              <a:t>25/03/2024</a:t>
             </a:fld>
             <a:endParaRPr lang="pt-BR"/>
           </a:p>
@@ -9295,7 +9295,7 @@
           <a:p>
             <a:fld id="{C9D3D411-7F08-4C31-969D-580827E50290}" type="datetimeFigureOut">
               <a:rPr lang="pt-BR" smtClean="0"/>
-              <a:t>19/03/2024</a:t>
+              <a:t>25/03/2024</a:t>
             </a:fld>
             <a:endParaRPr lang="pt-BR"/>
           </a:p>
@@ -9422,7 +9422,7 @@
           <a:p>
             <a:fld id="{C9D3D411-7F08-4C31-969D-580827E50290}" type="datetimeFigureOut">
               <a:rPr lang="pt-BR" smtClean="0"/>
-              <a:t>19/03/2024</a:t>
+              <a:t>25/03/2024</a:t>
             </a:fld>
             <a:endParaRPr lang="pt-BR"/>
           </a:p>
@@ -9517,7 +9517,7 @@
           <a:p>
             <a:fld id="{C9D3D411-7F08-4C31-969D-580827E50290}" type="datetimeFigureOut">
               <a:rPr lang="pt-BR" smtClean="0"/>
-              <a:t>19/03/2024</a:t>
+              <a:t>25/03/2024</a:t>
             </a:fld>
             <a:endParaRPr lang="pt-BR"/>
           </a:p>
@@ -10598,7 +10598,7 @@
           <a:p>
             <a:fld id="{C9D3D411-7F08-4C31-969D-580827E50290}" type="datetimeFigureOut">
               <a:rPr lang="pt-BR" smtClean="0"/>
-              <a:t>19/03/2024</a:t>
+              <a:t>25/03/2024</a:t>
             </a:fld>
             <a:endParaRPr lang="pt-BR"/>
           </a:p>
@@ -11706,7 +11706,7 @@
           <a:p>
             <a:fld id="{C9D3D411-7F08-4C31-969D-580827E50290}" type="datetimeFigureOut">
               <a:rPr lang="pt-BR" smtClean="0"/>
-              <a:t>19/03/2024</a:t>
+              <a:t>25/03/2024</a:t>
             </a:fld>
             <a:endParaRPr lang="pt-BR"/>
           </a:p>
@@ -12703,7 +12703,7 @@
           <a:p>
             <a:fld id="{C9D3D411-7F08-4C31-969D-580827E50290}" type="datetimeFigureOut">
               <a:rPr lang="pt-BR" smtClean="0"/>
-              <a:t>19/03/2024</a:t>
+              <a:t>25/03/2024</a:t>
             </a:fld>
             <a:endParaRPr lang="pt-BR"/>
           </a:p>
@@ -13267,7 +13267,7 @@
           <p:cNvPr id="2" name="Título 1">
             <a:extLst>
               <a:ext uri="{FF2B5EF4-FFF2-40B4-BE49-F238E27FC236}">
-                <a16:creationId xmlns:a16="http://schemas.microsoft.com/office/drawing/2014/main" id="{1CF72814-8E0D-A906-65F5-F6D85C566CF0}"/>
+                <a16:creationId xmlns:a16="http://schemas.microsoft.com/office/drawing/2014/main" xmlns="" id="{1CF72814-8E0D-A906-65F5-F6D85C566CF0}"/>
               </a:ext>
             </a:extLst>
           </p:cNvPr>
@@ -13295,7 +13295,7 @@
           <p:cNvPr id="3" name="Subtítulo 2">
             <a:extLst>
               <a:ext uri="{FF2B5EF4-FFF2-40B4-BE49-F238E27FC236}">
-                <a16:creationId xmlns:a16="http://schemas.microsoft.com/office/drawing/2014/main" id="{E36455D9-9D6A-36BA-EDA3-B5C16E9F7DE6}"/>
+                <a16:creationId xmlns:a16="http://schemas.microsoft.com/office/drawing/2014/main" xmlns="" id="{E36455D9-9D6A-36BA-EDA3-B5C16E9F7DE6}"/>
               </a:ext>
             </a:extLst>
           </p:cNvPr>
@@ -13359,7 +13359,7 @@
           <p:cNvPr id="2" name="Título 1">
             <a:extLst>
               <a:ext uri="{FF2B5EF4-FFF2-40B4-BE49-F238E27FC236}">
-                <a16:creationId xmlns:a16="http://schemas.microsoft.com/office/drawing/2014/main" id="{AA6D8465-077B-3A26-52B4-9EC460AF12A0}"/>
+                <a16:creationId xmlns:a16="http://schemas.microsoft.com/office/drawing/2014/main" xmlns="" id="{AA6D8465-077B-3A26-52B4-9EC460AF12A0}"/>
               </a:ext>
             </a:extLst>
           </p:cNvPr>
@@ -13387,56 +13387,64 @@
           </a:p>
         </p:txBody>
       </p:sp>
-      <p:sp>
-        <p:nvSpPr>
-          <p:cNvPr id="3" name="Espaço Reservado para Conteúdo 2">
-            <a:extLst>
-              <a:ext uri="{FF2B5EF4-FFF2-40B4-BE49-F238E27FC236}">
-                <a16:creationId xmlns:a16="http://schemas.microsoft.com/office/drawing/2014/main" id="{7D4FF75A-0EC1-CDEC-8110-02C01718DBD6}"/>
-              </a:ext>
-            </a:extLst>
-          </p:cNvPr>
-          <p:cNvSpPr>
-            <a:spLocks noGrp="1"/>
-          </p:cNvSpPr>
+      <p:pic>
+        <p:nvPicPr>
+          <p:cNvPr id="5" name="Espaço Reservado para Conteúdo 4"/>
+          <p:cNvPicPr>
+            <a:picLocks noGrp="1" noChangeAspect="1"/>
+          </p:cNvPicPr>
           <p:nvPr>
             <p:ph sz="half" idx="1"/>
           </p:nvPr>
-        </p:nvSpPr>
-        <p:spPr/>
-        <p:txBody>
-          <a:bodyPr/>
-          <a:lstStyle/>
-          <a:p>
-            <a:endParaRPr lang="pt-BR"/>
-          </a:p>
-        </p:txBody>
-      </p:sp>
-      <p:sp>
-        <p:nvSpPr>
-          <p:cNvPr id="4" name="Espaço Reservado para Conteúdo 3">
+        </p:nvPicPr>
+        <p:blipFill>
+          <a:blip r:embed="rId2" cstate="print">
             <a:extLst>
-              <a:ext uri="{FF2B5EF4-FFF2-40B4-BE49-F238E27FC236}">
-                <a16:creationId xmlns:a16="http://schemas.microsoft.com/office/drawing/2014/main" id="{37EE411E-E801-AE50-EB09-331A106DE1FB}"/>
+              <a:ext uri="{28A0092B-C50C-407E-A947-70E740481C1C}">
+                <a14:useLocalDpi xmlns:a14="http://schemas.microsoft.com/office/drawing/2010/main" val="0"/>
               </a:ext>
             </a:extLst>
-          </p:cNvPr>
-          <p:cNvSpPr>
-            <a:spLocks noGrp="1"/>
-          </p:cNvSpPr>
+          </a:blip>
+          <a:stretch>
+            <a:fillRect/>
+          </a:stretch>
+        </p:blipFill>
+        <p:spPr>
+          <a:xfrm>
+            <a:off x="1378425" y="2603500"/>
+            <a:ext cx="3384644" cy="3416300"/>
+          </a:xfrm>
+        </p:spPr>
+      </p:pic>
+      <p:pic>
+        <p:nvPicPr>
+          <p:cNvPr id="8" name="Espaço Reservado para Conteúdo 7"/>
+          <p:cNvPicPr>
+            <a:picLocks noGrp="1" noChangeAspect="1"/>
+          </p:cNvPicPr>
           <p:nvPr>
             <p:ph sz="half" idx="2"/>
           </p:nvPr>
-        </p:nvSpPr>
-        <p:spPr/>
-        <p:txBody>
-          <a:bodyPr/>
-          <a:lstStyle/>
-          <a:p>
-            <a:endParaRPr lang="pt-BR" dirty="0"/>
-          </a:p>
-        </p:txBody>
-      </p:sp>
+        </p:nvPicPr>
+        <p:blipFill>
+          <a:blip r:embed="rId3" cstate="print">
+            <a:extLst>
+              <a:ext uri="{28A0092B-C50C-407E-A947-70E740481C1C}">
+                <a14:useLocalDpi xmlns:a14="http://schemas.microsoft.com/office/drawing/2010/main" val="0"/>
+              </a:ext>
+            </a:extLst>
+          </a:blip>
+          <a:stretch>
+            <a:fillRect/>
+          </a:stretch>
+        </p:blipFill>
+        <p:spPr>
+          <a:xfrm>
+            <a:off x="6701051" y="2603500"/>
+            <a:ext cx="3261815" cy="3416300"/>
+          </a:xfrm>
+        </p:spPr>
+      </p:pic>
     </p:spTree>
     <p:extLst>
       <p:ext uri="{BB962C8B-B14F-4D97-AF65-F5344CB8AC3E}">
@@ -13472,7 +13480,7 @@
           <p:cNvPr id="2" name="Título 1">
             <a:extLst>
               <a:ext uri="{FF2B5EF4-FFF2-40B4-BE49-F238E27FC236}">
-                <a16:creationId xmlns:a16="http://schemas.microsoft.com/office/drawing/2014/main" id="{0A3F0559-49B8-614C-DF40-EAFF33AB93C0}"/>
+                <a16:creationId xmlns:a16="http://schemas.microsoft.com/office/drawing/2014/main" xmlns="" id="{0A3F0559-49B8-614C-DF40-EAFF33AB93C0}"/>
               </a:ext>
             </a:extLst>
           </p:cNvPr>
@@ -13501,56 +13509,64 @@
           </a:p>
         </p:txBody>
       </p:sp>
-      <p:sp>
-        <p:nvSpPr>
-          <p:cNvPr id="3" name="Espaço Reservado para Conteúdo 2">
-            <a:extLst>
-              <a:ext uri="{FF2B5EF4-FFF2-40B4-BE49-F238E27FC236}">
-                <a16:creationId xmlns:a16="http://schemas.microsoft.com/office/drawing/2014/main" id="{9640C766-71EF-8AF0-E2D5-5C31DF4B4801}"/>
-              </a:ext>
-            </a:extLst>
-          </p:cNvPr>
-          <p:cNvSpPr>
-            <a:spLocks noGrp="1"/>
-          </p:cNvSpPr>
+      <p:pic>
+        <p:nvPicPr>
+          <p:cNvPr id="5" name="Espaço Reservado para Conteúdo 4"/>
+          <p:cNvPicPr>
+            <a:picLocks noGrp="1" noChangeAspect="1"/>
+          </p:cNvPicPr>
           <p:nvPr>
             <p:ph sz="half" idx="1"/>
           </p:nvPr>
-        </p:nvSpPr>
-        <p:spPr/>
-        <p:txBody>
-          <a:bodyPr/>
-          <a:lstStyle/>
-          <a:p>
-            <a:endParaRPr lang="pt-BR"/>
-          </a:p>
-        </p:txBody>
-      </p:sp>
-      <p:sp>
-        <p:nvSpPr>
-          <p:cNvPr id="4" name="Espaço Reservado para Conteúdo 3">
+        </p:nvPicPr>
+        <p:blipFill>
+          <a:blip r:embed="rId2" cstate="print">
             <a:extLst>
-              <a:ext uri="{FF2B5EF4-FFF2-40B4-BE49-F238E27FC236}">
-                <a16:creationId xmlns:a16="http://schemas.microsoft.com/office/drawing/2014/main" id="{F0FBBAD0-E486-75D3-6360-1C91C893C2FC}"/>
+              <a:ext uri="{28A0092B-C50C-407E-A947-70E740481C1C}">
+                <a14:useLocalDpi xmlns:a14="http://schemas.microsoft.com/office/drawing/2010/main" val="0"/>
               </a:ext>
             </a:extLst>
-          </p:cNvPr>
-          <p:cNvSpPr>
-            <a:spLocks noGrp="1"/>
-          </p:cNvSpPr>
+          </a:blip>
+          <a:stretch>
+            <a:fillRect/>
+          </a:stretch>
+        </p:blipFill>
+        <p:spPr>
+          <a:xfrm>
+            <a:off x="1937982" y="2603500"/>
+            <a:ext cx="2702257" cy="3416300"/>
+          </a:xfrm>
+        </p:spPr>
+      </p:pic>
+      <p:pic>
+        <p:nvPicPr>
+          <p:cNvPr id="6" name="Espaço Reservado para Conteúdo 5"/>
+          <p:cNvPicPr>
+            <a:picLocks noGrp="1" noChangeAspect="1"/>
+          </p:cNvPicPr>
           <p:nvPr>
             <p:ph sz="half" idx="2"/>
           </p:nvPr>
-        </p:nvSpPr>
-        <p:spPr/>
-        <p:txBody>
-          <a:bodyPr/>
-          <a:lstStyle/>
-          <a:p>
-            <a:endParaRPr lang="pt-BR"/>
-          </a:p>
-        </p:txBody>
-      </p:sp>
+        </p:nvPicPr>
+        <p:blipFill>
+          <a:blip r:embed="rId3" cstate="print">
+            <a:extLst>
+              <a:ext uri="{28A0092B-C50C-407E-A947-70E740481C1C}">
+                <a14:useLocalDpi xmlns:a14="http://schemas.microsoft.com/office/drawing/2010/main" val="0"/>
+              </a:ext>
+            </a:extLst>
+          </a:blip>
+          <a:stretch>
+            <a:fillRect/>
+          </a:stretch>
+        </p:blipFill>
+        <p:spPr>
+          <a:xfrm>
+            <a:off x="7014949" y="2603500"/>
+            <a:ext cx="2647666" cy="3416300"/>
+          </a:xfrm>
+        </p:spPr>
+      </p:pic>
     </p:spTree>
     <p:extLst>
       <p:ext uri="{BB962C8B-B14F-4D97-AF65-F5344CB8AC3E}">
@@ -13586,7 +13602,7 @@
           <p:cNvPr id="2" name="Título 1">
             <a:extLst>
               <a:ext uri="{FF2B5EF4-FFF2-40B4-BE49-F238E27FC236}">
-                <a16:creationId xmlns:a16="http://schemas.microsoft.com/office/drawing/2014/main" id="{CFE9F135-8DA8-6E9E-893E-C7B29412421D}"/>
+                <a16:creationId xmlns:a16="http://schemas.microsoft.com/office/drawing/2014/main" xmlns="" id="{CFE9F135-8DA8-6E9E-893E-C7B29412421D}"/>
               </a:ext>
             </a:extLst>
           </p:cNvPr>
@@ -13617,18 +13633,12 @@
       </p:sp>
       <p:sp>
         <p:nvSpPr>
-          <p:cNvPr id="3" name="Espaço Reservado para Conteúdo 2">
-            <a:extLst>
-              <a:ext uri="{FF2B5EF4-FFF2-40B4-BE49-F238E27FC236}">
-                <a16:creationId xmlns:a16="http://schemas.microsoft.com/office/drawing/2014/main" id="{4CFB880F-2893-7A5F-5D21-659E6BE07D89}"/>
-              </a:ext>
-            </a:extLst>
-          </p:cNvPr>
+          <p:cNvPr id="7" name="Espaço Reservado para Conteúdo 6"/>
           <p:cNvSpPr>
             <a:spLocks noGrp="1"/>
           </p:cNvSpPr>
           <p:nvPr>
-            <p:ph sz="half" idx="1"/>
+            <p:ph sz="half" idx="2"/>
           </p:nvPr>
         </p:nvSpPr>
         <p:spPr/>
@@ -13636,24 +13646,18 @@
           <a:bodyPr/>
           <a:lstStyle/>
           <a:p>
-            <a:endParaRPr lang="pt-BR" dirty="0"/>
+            <a:endParaRPr lang="pt-BR"/>
           </a:p>
         </p:txBody>
       </p:sp>
       <p:sp>
         <p:nvSpPr>
-          <p:cNvPr id="4" name="Espaço Reservado para Conteúdo 3">
-            <a:extLst>
-              <a:ext uri="{FF2B5EF4-FFF2-40B4-BE49-F238E27FC236}">
-                <a16:creationId xmlns:a16="http://schemas.microsoft.com/office/drawing/2014/main" id="{709CA7B9-5001-0CB5-65E7-2DCB13722F67}"/>
-              </a:ext>
-            </a:extLst>
-          </p:cNvPr>
+          <p:cNvPr id="8" name="Espaço Reservado para Conteúdo 7"/>
           <p:cNvSpPr>
             <a:spLocks noGrp="1"/>
           </p:cNvSpPr>
           <p:nvPr>
-            <p:ph sz="half" idx="2"/>
+            <p:ph sz="half" idx="1"/>
           </p:nvPr>
         </p:nvSpPr>
         <p:spPr/>
@@ -13700,7 +13704,7 @@
           <p:cNvPr id="2" name="Título 1">
             <a:extLst>
               <a:ext uri="{FF2B5EF4-FFF2-40B4-BE49-F238E27FC236}">
-                <a16:creationId xmlns:a16="http://schemas.microsoft.com/office/drawing/2014/main" id="{EB40F4BC-6F90-5BD7-2782-8B03A4EEB5E8}"/>
+                <a16:creationId xmlns:a16="http://schemas.microsoft.com/office/drawing/2014/main" xmlns="" id="{EB40F4BC-6F90-5BD7-2782-8B03A4EEB5E8}"/>
               </a:ext>
             </a:extLst>
           </p:cNvPr>
@@ -13729,56 +13733,64 @@
           </a:p>
         </p:txBody>
       </p:sp>
-      <p:sp>
-        <p:nvSpPr>
-          <p:cNvPr id="3" name="Espaço Reservado para Conteúdo 2">
-            <a:extLst>
-              <a:ext uri="{FF2B5EF4-FFF2-40B4-BE49-F238E27FC236}">
-                <a16:creationId xmlns:a16="http://schemas.microsoft.com/office/drawing/2014/main" id="{7165165A-A0FA-1542-071B-4F841825CB6E}"/>
-              </a:ext>
-            </a:extLst>
-          </p:cNvPr>
-          <p:cNvSpPr>
-            <a:spLocks noGrp="1"/>
-          </p:cNvSpPr>
+      <p:pic>
+        <p:nvPicPr>
+          <p:cNvPr id="5" name="Espaço Reservado para Conteúdo 4"/>
+          <p:cNvPicPr>
+            <a:picLocks noGrp="1" noChangeAspect="1"/>
+          </p:cNvPicPr>
           <p:nvPr>
             <p:ph sz="half" idx="1"/>
           </p:nvPr>
-        </p:nvSpPr>
-        <p:spPr/>
-        <p:txBody>
-          <a:bodyPr/>
-          <a:lstStyle/>
-          <a:p>
-            <a:endParaRPr lang="pt-BR"/>
-          </a:p>
-        </p:txBody>
-      </p:sp>
-      <p:sp>
-        <p:nvSpPr>
-          <p:cNvPr id="4" name="Espaço Reservado para Conteúdo 3">
+        </p:nvPicPr>
+        <p:blipFill>
+          <a:blip r:embed="rId2" cstate="print">
             <a:extLst>
-              <a:ext uri="{FF2B5EF4-FFF2-40B4-BE49-F238E27FC236}">
-                <a16:creationId xmlns:a16="http://schemas.microsoft.com/office/drawing/2014/main" id="{8A95A002-234B-0769-92F7-61F88E7C5FB9}"/>
+              <a:ext uri="{28A0092B-C50C-407E-A947-70E740481C1C}">
+                <a14:useLocalDpi xmlns:a14="http://schemas.microsoft.com/office/drawing/2010/main" val="0"/>
               </a:ext>
             </a:extLst>
-          </p:cNvPr>
-          <p:cNvSpPr>
-            <a:spLocks noGrp="1"/>
-          </p:cNvSpPr>
+          </a:blip>
+          <a:stretch>
+            <a:fillRect/>
+          </a:stretch>
+        </p:blipFill>
+        <p:spPr>
+          <a:xfrm>
+            <a:off x="2333767" y="2603500"/>
+            <a:ext cx="2129051" cy="3416300"/>
+          </a:xfrm>
+        </p:spPr>
+      </p:pic>
+      <p:pic>
+        <p:nvPicPr>
+          <p:cNvPr id="6" name="Espaço Reservado para Conteúdo 5"/>
+          <p:cNvPicPr>
+            <a:picLocks noGrp="1" noChangeAspect="1"/>
+          </p:cNvPicPr>
           <p:nvPr>
             <p:ph sz="half" idx="2"/>
           </p:nvPr>
-        </p:nvSpPr>
-        <p:spPr/>
-        <p:txBody>
-          <a:bodyPr/>
-          <a:lstStyle/>
-          <a:p>
-            <a:endParaRPr lang="pt-BR"/>
-          </a:p>
-        </p:txBody>
-      </p:sp>
+        </p:nvPicPr>
+        <p:blipFill>
+          <a:blip r:embed="rId3" cstate="print">
+            <a:extLst>
+              <a:ext uri="{28A0092B-C50C-407E-A947-70E740481C1C}">
+                <a14:useLocalDpi xmlns:a14="http://schemas.microsoft.com/office/drawing/2010/main" val="0"/>
+              </a:ext>
+            </a:extLst>
+          </a:blip>
+          <a:stretch>
+            <a:fillRect/>
+          </a:stretch>
+        </p:blipFill>
+        <p:spPr>
+          <a:xfrm>
+            <a:off x="7342496" y="2603500"/>
+            <a:ext cx="2251880" cy="3416300"/>
+          </a:xfrm>
+        </p:spPr>
+      </p:pic>
     </p:spTree>
     <p:extLst>
       <p:ext uri="{BB962C8B-B14F-4D97-AF65-F5344CB8AC3E}">
@@ -13814,7 +13826,7 @@
           <p:cNvPr id="2" name="Título 1">
             <a:extLst>
               <a:ext uri="{FF2B5EF4-FFF2-40B4-BE49-F238E27FC236}">
-                <a16:creationId xmlns:a16="http://schemas.microsoft.com/office/drawing/2014/main" id="{CD1020B4-C7C5-3A4B-7D4D-B59533CE2B17}"/>
+                <a16:creationId xmlns:a16="http://schemas.microsoft.com/office/drawing/2014/main" xmlns="" id="{CD1020B4-C7C5-3A4B-7D4D-B59533CE2B17}"/>
               </a:ext>
             </a:extLst>
           </p:cNvPr>
@@ -13843,56 +13855,64 @@
           </a:p>
         </p:txBody>
       </p:sp>
-      <p:sp>
-        <p:nvSpPr>
-          <p:cNvPr id="3" name="Espaço Reservado para Conteúdo 2">
-            <a:extLst>
-              <a:ext uri="{FF2B5EF4-FFF2-40B4-BE49-F238E27FC236}">
-                <a16:creationId xmlns:a16="http://schemas.microsoft.com/office/drawing/2014/main" id="{C790F7D9-01DF-5D4F-1CAE-3924C4F17A95}"/>
-              </a:ext>
-            </a:extLst>
-          </p:cNvPr>
-          <p:cNvSpPr>
-            <a:spLocks noGrp="1"/>
-          </p:cNvSpPr>
+      <p:pic>
+        <p:nvPicPr>
+          <p:cNvPr id="5" name="Espaço Reservado para Conteúdo 4"/>
+          <p:cNvPicPr>
+            <a:picLocks noGrp="1" noChangeAspect="1"/>
+          </p:cNvPicPr>
           <p:nvPr>
             <p:ph sz="half" idx="1"/>
           </p:nvPr>
-        </p:nvSpPr>
-        <p:spPr/>
-        <p:txBody>
-          <a:bodyPr/>
-          <a:lstStyle/>
-          <a:p>
-            <a:endParaRPr lang="pt-BR"/>
-          </a:p>
-        </p:txBody>
-      </p:sp>
-      <p:sp>
-        <p:nvSpPr>
-          <p:cNvPr id="4" name="Espaço Reservado para Conteúdo 3">
+        </p:nvPicPr>
+        <p:blipFill>
+          <a:blip r:embed="rId2" cstate="print">
             <a:extLst>
-              <a:ext uri="{FF2B5EF4-FFF2-40B4-BE49-F238E27FC236}">
-                <a16:creationId xmlns:a16="http://schemas.microsoft.com/office/drawing/2014/main" id="{650777E8-840A-F82D-B1B4-F9AE8ADCECCC}"/>
+              <a:ext uri="{28A0092B-C50C-407E-A947-70E740481C1C}">
+                <a14:useLocalDpi xmlns:a14="http://schemas.microsoft.com/office/drawing/2010/main" val="0"/>
               </a:ext>
             </a:extLst>
-          </p:cNvPr>
-          <p:cNvSpPr>
-            <a:spLocks noGrp="1"/>
-          </p:cNvSpPr>
+          </a:blip>
+          <a:stretch>
+            <a:fillRect/>
+          </a:stretch>
+        </p:blipFill>
+        <p:spPr>
+          <a:xfrm>
+            <a:off x="1910688" y="2603500"/>
+            <a:ext cx="2453644" cy="3416300"/>
+          </a:xfrm>
+        </p:spPr>
+      </p:pic>
+      <p:pic>
+        <p:nvPicPr>
+          <p:cNvPr id="6" name="Espaço Reservado para Conteúdo 5"/>
+          <p:cNvPicPr>
+            <a:picLocks noGrp="1" noChangeAspect="1"/>
+          </p:cNvPicPr>
           <p:nvPr>
             <p:ph sz="half" idx="2"/>
           </p:nvPr>
-        </p:nvSpPr>
-        <p:spPr/>
-        <p:txBody>
-          <a:bodyPr/>
-          <a:lstStyle/>
-          <a:p>
-            <a:endParaRPr lang="pt-BR"/>
-          </a:p>
-        </p:txBody>
-      </p:sp>
+        </p:nvPicPr>
+        <p:blipFill>
+          <a:blip r:embed="rId3" cstate="print">
+            <a:extLst>
+              <a:ext uri="{28A0092B-C50C-407E-A947-70E740481C1C}">
+                <a14:useLocalDpi xmlns:a14="http://schemas.microsoft.com/office/drawing/2010/main" val="0"/>
+              </a:ext>
+            </a:extLst>
+          </a:blip>
+          <a:stretch>
+            <a:fillRect/>
+          </a:stretch>
+        </p:blipFill>
+        <p:spPr>
+          <a:xfrm>
+            <a:off x="6919415" y="2603500"/>
+            <a:ext cx="2866029" cy="3416300"/>
+          </a:xfrm>
+        </p:spPr>
+      </p:pic>
     </p:spTree>
     <p:extLst>
       <p:ext uri="{BB962C8B-B14F-4D97-AF65-F5344CB8AC3E}">
@@ -13928,7 +13948,7 @@
           <p:cNvPr id="2" name="Título 1">
             <a:extLst>
               <a:ext uri="{FF2B5EF4-FFF2-40B4-BE49-F238E27FC236}">
-                <a16:creationId xmlns:a16="http://schemas.microsoft.com/office/drawing/2014/main" id="{DC780EBF-1105-9DE5-7531-FF7B9293368E}"/>
+                <a16:creationId xmlns:a16="http://schemas.microsoft.com/office/drawing/2014/main" xmlns="" id="{DC780EBF-1105-9DE5-7531-FF7B9293368E}"/>
               </a:ext>
             </a:extLst>
           </p:cNvPr>
@@ -13956,56 +13976,64 @@
           </a:p>
         </p:txBody>
       </p:sp>
-      <p:sp>
-        <p:nvSpPr>
-          <p:cNvPr id="3" name="Espaço Reservado para Conteúdo 2">
-            <a:extLst>
-              <a:ext uri="{FF2B5EF4-FFF2-40B4-BE49-F238E27FC236}">
-                <a16:creationId xmlns:a16="http://schemas.microsoft.com/office/drawing/2014/main" id="{DB4C72AF-1BC5-9124-30E9-33DD78471E32}"/>
-              </a:ext>
-            </a:extLst>
-          </p:cNvPr>
-          <p:cNvSpPr>
-            <a:spLocks noGrp="1"/>
-          </p:cNvSpPr>
+      <p:pic>
+        <p:nvPicPr>
+          <p:cNvPr id="5" name="Espaço Reservado para Conteúdo 4"/>
+          <p:cNvPicPr>
+            <a:picLocks noGrp="1" noChangeAspect="1"/>
+          </p:cNvPicPr>
           <p:nvPr>
             <p:ph sz="half" idx="1"/>
           </p:nvPr>
-        </p:nvSpPr>
-        <p:spPr/>
-        <p:txBody>
-          <a:bodyPr/>
-          <a:lstStyle/>
-          <a:p>
-            <a:endParaRPr lang="pt-BR"/>
-          </a:p>
-        </p:txBody>
-      </p:sp>
-      <p:sp>
-        <p:nvSpPr>
-          <p:cNvPr id="4" name="Espaço Reservado para Conteúdo 3">
+        </p:nvPicPr>
+        <p:blipFill>
+          <a:blip r:embed="rId2" cstate="print">
             <a:extLst>
-              <a:ext uri="{FF2B5EF4-FFF2-40B4-BE49-F238E27FC236}">
-                <a16:creationId xmlns:a16="http://schemas.microsoft.com/office/drawing/2014/main" id="{8602F855-49C4-2AE9-660C-23E79B677AA4}"/>
+              <a:ext uri="{28A0092B-C50C-407E-A947-70E740481C1C}">
+                <a14:useLocalDpi xmlns:a14="http://schemas.microsoft.com/office/drawing/2010/main" val="0"/>
               </a:ext>
             </a:extLst>
-          </p:cNvPr>
-          <p:cNvSpPr>
-            <a:spLocks noGrp="1"/>
-          </p:cNvSpPr>
+          </a:blip>
+          <a:stretch>
+            <a:fillRect/>
+          </a:stretch>
+        </p:blipFill>
+        <p:spPr>
+          <a:xfrm>
+            <a:off x="2047164" y="2603500"/>
+            <a:ext cx="2317167" cy="3416300"/>
+          </a:xfrm>
+        </p:spPr>
+      </p:pic>
+      <p:pic>
+        <p:nvPicPr>
+          <p:cNvPr id="6" name="Espaço Reservado para Conteúdo 5"/>
+          <p:cNvPicPr>
+            <a:picLocks noGrp="1" noChangeAspect="1"/>
+          </p:cNvPicPr>
           <p:nvPr>
             <p:ph sz="half" idx="2"/>
           </p:nvPr>
-        </p:nvSpPr>
-        <p:spPr/>
-        <p:txBody>
-          <a:bodyPr/>
-          <a:lstStyle/>
-          <a:p>
-            <a:endParaRPr lang="pt-BR"/>
-          </a:p>
-        </p:txBody>
-      </p:sp>
+        </p:nvPicPr>
+        <p:blipFill>
+          <a:blip r:embed="rId3" cstate="print">
+            <a:extLst>
+              <a:ext uri="{28A0092B-C50C-407E-A947-70E740481C1C}">
+                <a14:useLocalDpi xmlns:a14="http://schemas.microsoft.com/office/drawing/2010/main" val="0"/>
+              </a:ext>
+            </a:extLst>
+          </a:blip>
+          <a:stretch>
+            <a:fillRect/>
+          </a:stretch>
+        </p:blipFill>
+        <p:spPr>
+          <a:xfrm>
+            <a:off x="7356144" y="2603500"/>
+            <a:ext cx="2061322" cy="3416300"/>
+          </a:xfrm>
+        </p:spPr>
+      </p:pic>
     </p:spTree>
     <p:extLst>
       <p:ext uri="{BB962C8B-B14F-4D97-AF65-F5344CB8AC3E}">
@@ -14041,7 +14069,7 @@
           <p:cNvPr id="2" name="Título 1">
             <a:extLst>
               <a:ext uri="{FF2B5EF4-FFF2-40B4-BE49-F238E27FC236}">
-                <a16:creationId xmlns:a16="http://schemas.microsoft.com/office/drawing/2014/main" id="{4A092F9D-7344-013A-4667-1BEEE4E9EFB3}"/>
+                <a16:creationId xmlns:a16="http://schemas.microsoft.com/office/drawing/2014/main" xmlns="" id="{4A092F9D-7344-013A-4667-1BEEE4E9EFB3}"/>
               </a:ext>
             </a:extLst>
           </p:cNvPr>
@@ -14069,37 +14097,41 @@
           </a:p>
         </p:txBody>
       </p:sp>
-      <p:sp>
-        <p:nvSpPr>
-          <p:cNvPr id="3" name="Espaço Reservado para Conteúdo 2">
-            <a:extLst>
-              <a:ext uri="{FF2B5EF4-FFF2-40B4-BE49-F238E27FC236}">
-                <a16:creationId xmlns:a16="http://schemas.microsoft.com/office/drawing/2014/main" id="{22E6CF94-C065-2704-8297-17E9BABFA5C7}"/>
-              </a:ext>
-            </a:extLst>
-          </p:cNvPr>
-          <p:cNvSpPr>
-            <a:spLocks noGrp="1"/>
-          </p:cNvSpPr>
+      <p:pic>
+        <p:nvPicPr>
+          <p:cNvPr id="5" name="Espaço Reservado para Conteúdo 4"/>
+          <p:cNvPicPr>
+            <a:picLocks noGrp="1" noChangeAspect="1"/>
+          </p:cNvPicPr>
           <p:nvPr>
             <p:ph sz="half" idx="1"/>
           </p:nvPr>
-        </p:nvSpPr>
-        <p:spPr/>
-        <p:txBody>
-          <a:bodyPr/>
-          <a:lstStyle/>
-          <a:p>
-            <a:endParaRPr lang="pt-BR"/>
-          </a:p>
-        </p:txBody>
-      </p:sp>
+        </p:nvPicPr>
+        <p:blipFill>
+          <a:blip r:embed="rId2" cstate="print">
+            <a:extLst>
+              <a:ext uri="{28A0092B-C50C-407E-A947-70E740481C1C}">
+                <a14:useLocalDpi xmlns:a14="http://schemas.microsoft.com/office/drawing/2010/main" val="0"/>
+              </a:ext>
+            </a:extLst>
+          </a:blip>
+          <a:stretch>
+            <a:fillRect/>
+          </a:stretch>
+        </p:blipFill>
+        <p:spPr>
+          <a:xfrm>
+            <a:off x="2101755" y="2603500"/>
+            <a:ext cx="2234819" cy="3416300"/>
+          </a:xfrm>
+        </p:spPr>
+      </p:pic>
       <p:sp>
         <p:nvSpPr>
           <p:cNvPr id="4" name="Espaço Reservado para Conteúdo 3">
             <a:extLst>
               <a:ext uri="{FF2B5EF4-FFF2-40B4-BE49-F238E27FC236}">
-                <a16:creationId xmlns:a16="http://schemas.microsoft.com/office/drawing/2014/main" id="{9CDBF430-ABF5-7A83-0872-679537DB65CC}"/>
+                <a16:creationId xmlns:a16="http://schemas.microsoft.com/office/drawing/2014/main" xmlns="" id="{9CDBF430-ABF5-7A83-0872-679537DB65CC}"/>
               </a:ext>
             </a:extLst>
           </p:cNvPr>
@@ -14154,7 +14186,7 @@
           <p:cNvPr id="2" name="Título 1">
             <a:extLst>
               <a:ext uri="{FF2B5EF4-FFF2-40B4-BE49-F238E27FC236}">
-                <a16:creationId xmlns:a16="http://schemas.microsoft.com/office/drawing/2014/main" id="{78388619-D3B9-E411-8A37-966401631472}"/>
+                <a16:creationId xmlns:a16="http://schemas.microsoft.com/office/drawing/2014/main" xmlns="" id="{78388619-D3B9-E411-8A37-966401631472}"/>
               </a:ext>
             </a:extLst>
           </p:cNvPr>
@@ -14188,7 +14220,7 @@
           <p:cNvPr id="3" name="Espaço Reservado para Conteúdo 2">
             <a:extLst>
               <a:ext uri="{FF2B5EF4-FFF2-40B4-BE49-F238E27FC236}">
-                <a16:creationId xmlns:a16="http://schemas.microsoft.com/office/drawing/2014/main" id="{3D84CA88-B6E8-EC48-2D59-5097AD760CE3}"/>
+                <a16:creationId xmlns:a16="http://schemas.microsoft.com/office/drawing/2014/main" xmlns="" id="{3D84CA88-B6E8-EC48-2D59-5097AD760CE3}"/>
               </a:ext>
             </a:extLst>
           </p:cNvPr>
@@ -14213,7 +14245,7 @@
           <p:cNvPr id="4" name="Espaço Reservado para Conteúdo 3">
             <a:extLst>
               <a:ext uri="{FF2B5EF4-FFF2-40B4-BE49-F238E27FC236}">
-                <a16:creationId xmlns:a16="http://schemas.microsoft.com/office/drawing/2014/main" id="{F17C61FA-83F2-61F1-8D2F-DFBFC9E2B05A}"/>
+                <a16:creationId xmlns:a16="http://schemas.microsoft.com/office/drawing/2014/main" xmlns="" id="{F17C61FA-83F2-61F1-8D2F-DFBFC9E2B05A}"/>
               </a:ext>
             </a:extLst>
           </p:cNvPr>
@@ -14289,7 +14321,7 @@
     </a:clrScheme>
     <a:fontScheme name="Íon - Sala da Diretoria">
       <a:majorFont>
-        <a:latin typeface="Century Gothic" panose="020B0502020202020204"/>
+        <a:latin typeface="Century Gothic"/>
         <a:ea typeface=""/>
         <a:cs typeface=""/>
         <a:font script="Jpan" typeface="メイリオ"/>
@@ -14324,7 +14356,7 @@
         <a:font script="Geor" typeface="Sylfaen"/>
       </a:majorFont>
       <a:minorFont>
-        <a:latin typeface="Century Gothic" panose="020B0502020202020204"/>
+        <a:latin typeface="Century Gothic"/>
         <a:ea typeface=""/>
         <a:cs typeface=""/>
         <a:font script="Jpan" typeface="メイリオ"/>
@@ -14504,8 +14536,220 @@
   <a:extraClrSchemeLst/>
   <a:extLst>
     <a:ext uri="{05A4C25C-085E-4340-85A3-A5531E510DB2}">
-      <thm15:themeFamily xmlns:thm15="http://schemas.microsoft.com/office/thememl/2012/main" name="Ion Boardroom" id="{FC33163D-4339-46B1-8EED-24C834239D99}" vid="{B8502691-933B-45FE-8764-BA278511EF27}"/>
+      <thm15:themeFamily xmlns:thm15="http://schemas.microsoft.com/office/thememl/2012/main" xmlns="" name="Ion Boardroom" id="{FC33163D-4339-46B1-8EED-24C834239D99}" vid="{B8502691-933B-45FE-8764-BA278511EF27}"/>
     </a:ext>
   </a:extLst>
 </a:theme>
+</file>
+
+<file path=customXml/item1.xml><?xml version="1.0" encoding="utf-8"?>
+<ct:contentTypeSchema xmlns:ct="http://schemas.microsoft.com/office/2006/metadata/contentType" xmlns:ma="http://schemas.microsoft.com/office/2006/metadata/properties/metaAttributes" ct:_="" ma:_="" ma:contentTypeName="Documento" ma:contentTypeID="0x01010079277EDDE13CB241BCBD96A5E6762963" ma:contentTypeVersion="7" ma:contentTypeDescription="Crie um novo documento." ma:contentTypeScope="" ma:versionID="aa306d03041ebed07fcadb90d49af1c4">
+  <xsd:schema xmlns:xsd="http://www.w3.org/2001/XMLSchema" xmlns:xs="http://www.w3.org/2001/XMLSchema" xmlns:p="http://schemas.microsoft.com/office/2006/metadata/properties" xmlns:ns2="a605add5-2438-4bc6-bd5e-27e8066c546c" xmlns:ns3="82b8cd5a-3050-4c56-bb94-4fd9553661a2" targetNamespace="http://schemas.microsoft.com/office/2006/metadata/properties" ma:root="true" ma:fieldsID="b55adf2c5acab900b9941eef022a44a4" ns2:_="" ns3:_="">
+    <xsd:import namespace="a605add5-2438-4bc6-bd5e-27e8066c546c"/>
+    <xsd:import namespace="82b8cd5a-3050-4c56-bb94-4fd9553661a2"/>
+    <xsd:element name="properties">
+      <xsd:complexType>
+        <xsd:sequence>
+          <xsd:element name="documentManagement">
+            <xsd:complexType>
+              <xsd:all>
+                <xsd:element ref="ns2:ReferenceId" minOccurs="0"/>
+                <xsd:element ref="ns2:MediaServiceMetadata" minOccurs="0"/>
+                <xsd:element ref="ns2:MediaServiceFastMetadata" minOccurs="0"/>
+                <xsd:element ref="ns2:MediaServiceSearchProperties" minOccurs="0"/>
+                <xsd:element ref="ns2:MediaServiceObjectDetectorVersions" minOccurs="0"/>
+                <xsd:element ref="ns3:SharedWithUsers" minOccurs="0"/>
+                <xsd:element ref="ns3:SharedWithDetails" minOccurs="0"/>
+              </xsd:all>
+            </xsd:complexType>
+          </xsd:element>
+        </xsd:sequence>
+      </xsd:complexType>
+    </xsd:element>
+  </xsd:schema>
+  <xsd:schema xmlns:xsd="http://www.w3.org/2001/XMLSchema" xmlns:xs="http://www.w3.org/2001/XMLSchema" xmlns:dms="http://schemas.microsoft.com/office/2006/documentManagement/types" xmlns:pc="http://schemas.microsoft.com/office/infopath/2007/PartnerControls" targetNamespace="a605add5-2438-4bc6-bd5e-27e8066c546c" elementFormDefault="qualified">
+    <xsd:import namespace="http://schemas.microsoft.com/office/2006/documentManagement/types"/>
+    <xsd:import namespace="http://schemas.microsoft.com/office/infopath/2007/PartnerControls"/>
+    <xsd:element name="ReferenceId" ma:index="8" nillable="true" ma:displayName="ReferenceId" ma:indexed="true" ma:internalName="ReferenceId">
+      <xsd:simpleType>
+        <xsd:restriction base="dms:Text"/>
+      </xsd:simpleType>
+    </xsd:element>
+    <xsd:element name="MediaServiceMetadata" ma:index="9" nillable="true" ma:displayName="MediaServiceMetadata" ma:hidden="true" ma:internalName="MediaServiceMetadata" ma:readOnly="true">
+      <xsd:simpleType>
+        <xsd:restriction base="dms:Note"/>
+      </xsd:simpleType>
+    </xsd:element>
+    <xsd:element name="MediaServiceFastMetadata" ma:index="10" nillable="true" ma:displayName="MediaServiceFastMetadata" ma:hidden="true" ma:internalName="MediaServiceFastMetadata" ma:readOnly="true">
+      <xsd:simpleType>
+        <xsd:restriction base="dms:Note"/>
+      </xsd:simpleType>
+    </xsd:element>
+    <xsd:element name="MediaServiceSearchProperties" ma:index="11" nillable="true" ma:displayName="MediaServiceSearchProperties" ma:hidden="true" ma:internalName="MediaServiceSearchProperties" ma:readOnly="true">
+      <xsd:simpleType>
+        <xsd:restriction base="dms:Note"/>
+      </xsd:simpleType>
+    </xsd:element>
+    <xsd:element name="MediaServiceObjectDetectorVersions" ma:index="12" nillable="true" ma:displayName="MediaServiceObjectDetectorVersions" ma:hidden="true" ma:indexed="true" ma:internalName="MediaServiceObjectDetectorVersions" ma:readOnly="true">
+      <xsd:simpleType>
+        <xsd:restriction base="dms:Text"/>
+      </xsd:simpleType>
+    </xsd:element>
+  </xsd:schema>
+  <xsd:schema xmlns:xsd="http://www.w3.org/2001/XMLSchema" xmlns:xs="http://www.w3.org/2001/XMLSchema" xmlns:dms="http://schemas.microsoft.com/office/2006/documentManagement/types" xmlns:pc="http://schemas.microsoft.com/office/infopath/2007/PartnerControls" targetNamespace="82b8cd5a-3050-4c56-bb94-4fd9553661a2" elementFormDefault="qualified">
+    <xsd:import namespace="http://schemas.microsoft.com/office/2006/documentManagement/types"/>
+    <xsd:import namespace="http://schemas.microsoft.com/office/infopath/2007/PartnerControls"/>
+    <xsd:element name="SharedWithUsers" ma:index="13" nillable="true" ma:displayName="Compartilhado com" ma:internalName="SharedWithUsers" ma:readOnly="true">
+      <xsd:complexType>
+        <xsd:complexContent>
+          <xsd:extension base="dms:UserMulti">
+            <xsd:sequence>
+              <xsd:element name="UserInfo" minOccurs="0" maxOccurs="unbounded">
+                <xsd:complexType>
+                  <xsd:sequence>
+                    <xsd:element name="DisplayName" type="xsd:string" minOccurs="0"/>
+                    <xsd:element name="AccountId" type="dms:UserId" minOccurs="0" nillable="true"/>
+                    <xsd:element name="AccountType" type="xsd:string" minOccurs="0"/>
+                  </xsd:sequence>
+                </xsd:complexType>
+              </xsd:element>
+            </xsd:sequence>
+          </xsd:extension>
+        </xsd:complexContent>
+      </xsd:complexType>
+    </xsd:element>
+    <xsd:element name="SharedWithDetails" ma:index="14" nillable="true" ma:displayName="Detalhes de Compartilhado Com" ma:internalName="SharedWithDetails" ma:readOnly="true">
+      <xsd:simpleType>
+        <xsd:restriction base="dms:Note">
+          <xsd:maxLength value="255"/>
+        </xsd:restriction>
+      </xsd:simpleType>
+    </xsd:element>
+  </xsd:schema>
+  <xsd:schema xmlns="http://schemas.openxmlformats.org/package/2006/metadata/core-properties" xmlns:xsd="http://www.w3.org/2001/XMLSchema" xmlns:xsi="http://www.w3.org/2001/XMLSchema-instance" xmlns:dc="http://purl.org/dc/elements/1.1/" xmlns:dcterms="http://purl.org/dc/terms/" xmlns:odoc="http://schemas.microsoft.com/internal/obd" targetNamespace="http://schemas.openxmlformats.org/package/2006/metadata/core-properties" elementFormDefault="qualified" attributeFormDefault="unqualified" blockDefault="#all">
+    <xsd:import namespace="http://purl.org/dc/elements/1.1/" schemaLocation="http://dublincore.org/schemas/xmls/qdc/2003/04/02/dc.xsd"/>
+    <xsd:import namespace="http://purl.org/dc/terms/" schemaLocation="http://dublincore.org/schemas/xmls/qdc/2003/04/02/dcterms.xsd"/>
+    <xsd:element name="coreProperties" type="CT_coreProperties"/>
+    <xsd:complexType name="CT_coreProperties">
+      <xsd:all>
+        <xsd:element ref="dc:creator" minOccurs="0" maxOccurs="1"/>
+        <xsd:element ref="dcterms:created" minOccurs="0" maxOccurs="1"/>
+        <xsd:element ref="dc:identifier" minOccurs="0" maxOccurs="1"/>
+        <xsd:element name="contentType" minOccurs="0" maxOccurs="1" type="xsd:string" ma:index="0" ma:displayName="Tipo de Conteúdo"/>
+        <xsd:element ref="dc:title" minOccurs="0" maxOccurs="1" ma:index="4" ma:displayName="Título"/>
+        <xsd:element ref="dc:subject" minOccurs="0" maxOccurs="1"/>
+        <xsd:element ref="dc:description" minOccurs="0" maxOccurs="1"/>
+        <xsd:element name="keywords" minOccurs="0" maxOccurs="1" type="xsd:string"/>
+        <xsd:element ref="dc:language" minOccurs="0" maxOccurs="1"/>
+        <xsd:element name="category" minOccurs="0" maxOccurs="1" type="xsd:string"/>
+        <xsd:element name="version" minOccurs="0" maxOccurs="1" type="xsd:string"/>
+        <xsd:element name="revision" minOccurs="0" maxOccurs="1" type="xsd:string">
+          <xsd:annotation>
+            <xsd:documentation>
+                        This value indicates the number of saves or revisions. The application is responsible for updating this value after each revision.
+                    </xsd:documentation>
+          </xsd:annotation>
+        </xsd:element>
+        <xsd:element name="lastModifiedBy" minOccurs="0" maxOccurs="1" type="xsd:string"/>
+        <xsd:element ref="dcterms:modified" minOccurs="0" maxOccurs="1"/>
+        <xsd:element name="contentStatus" minOccurs="0" maxOccurs="1" type="xsd:string"/>
+      </xsd:all>
+    </xsd:complexType>
+  </xsd:schema>
+  <xs:schema xmlns:pc="http://schemas.microsoft.com/office/infopath/2007/PartnerControls" xmlns:xs="http://www.w3.org/2001/XMLSchema" targetNamespace="http://schemas.microsoft.com/office/infopath/2007/PartnerControls" elementFormDefault="qualified" attributeFormDefault="unqualified">
+    <xs:element name="Person">
+      <xs:complexType>
+        <xs:sequence>
+          <xs:element ref="pc:DisplayName" minOccurs="0"/>
+          <xs:element ref="pc:AccountId" minOccurs="0"/>
+          <xs:element ref="pc:AccountType" minOccurs="0"/>
+        </xs:sequence>
+      </xs:complexType>
+    </xs:element>
+    <xs:element name="DisplayName" type="xs:string"/>
+    <xs:element name="AccountId" type="xs:string"/>
+    <xs:element name="AccountType" type="xs:string"/>
+    <xs:element name="BDCAssociatedEntity">
+      <xs:complexType>
+        <xs:sequence>
+          <xs:element ref="pc:BDCEntity" minOccurs="0" maxOccurs="unbounded"/>
+        </xs:sequence>
+        <xs:attribute ref="pc:EntityNamespace"/>
+        <xs:attribute ref="pc:EntityName"/>
+        <xs:attribute ref="pc:SystemInstanceName"/>
+        <xs:attribute ref="pc:AssociationName"/>
+      </xs:complexType>
+    </xs:element>
+    <xs:attribute name="EntityNamespace" type="xs:string"/>
+    <xs:attribute name="EntityName" type="xs:string"/>
+    <xs:attribute name="SystemInstanceName" type="xs:string"/>
+    <xs:attribute name="AssociationName" type="xs:string"/>
+    <xs:element name="BDCEntity">
+      <xs:complexType>
+        <xs:sequence>
+          <xs:element ref="pc:EntityDisplayName" minOccurs="0"/>
+          <xs:element ref="pc:EntityInstanceReference" minOccurs="0"/>
+          <xs:element ref="pc:EntityId1" minOccurs="0"/>
+          <xs:element ref="pc:EntityId2" minOccurs="0"/>
+          <xs:element ref="pc:EntityId3" minOccurs="0"/>
+          <xs:element ref="pc:EntityId4" minOccurs="0"/>
+          <xs:element ref="pc:EntityId5" minOccurs="0"/>
+        </xs:sequence>
+      </xs:complexType>
+    </xs:element>
+    <xs:element name="EntityDisplayName" type="xs:string"/>
+    <xs:element name="EntityInstanceReference" type="xs:string"/>
+    <xs:element name="EntityId1" type="xs:string"/>
+    <xs:element name="EntityId2" type="xs:string"/>
+    <xs:element name="EntityId3" type="xs:string"/>
+    <xs:element name="EntityId4" type="xs:string"/>
+    <xs:element name="EntityId5" type="xs:string"/>
+    <xs:element name="Terms">
+      <xs:complexType>
+        <xs:sequence>
+          <xs:element ref="pc:TermInfo" minOccurs="0" maxOccurs="unbounded"/>
+        </xs:sequence>
+      </xs:complexType>
+    </xs:element>
+    <xs:element name="TermInfo">
+      <xs:complexType>
+        <xs:sequence>
+          <xs:element ref="pc:TermName" minOccurs="0"/>
+          <xs:element ref="pc:TermId" minOccurs="0"/>
+        </xs:sequence>
+      </xs:complexType>
+    </xs:element>
+    <xs:element name="TermName" type="xs:string"/>
+    <xs:element name="TermId" type="xs:string"/>
+  </xs:schema>
+</ct:contentTypeSchema>
+</file>
+
+<file path=customXml/item2.xml><?xml version="1.0" encoding="utf-8"?>
+<?mso-contentType ?>
+<FormTemplates xmlns="http://schemas.microsoft.com/sharepoint/v3/contenttype/forms">
+  <Display>DocumentLibraryForm</Display>
+  <Edit>DocumentLibraryForm</Edit>
+  <New>DocumentLibraryForm</New>
+</FormTemplates>
+</file>
+
+<file path=customXml/item3.xml><?xml version="1.0" encoding="utf-8"?>
+<p:properties xmlns:p="http://schemas.microsoft.com/office/2006/metadata/properties" xmlns:xsi="http://www.w3.org/2001/XMLSchema-instance" xmlns:pc="http://schemas.microsoft.com/office/infopath/2007/PartnerControls">
+  <documentManagement>
+    <ReferenceId xmlns="a605add5-2438-4bc6-bd5e-27e8066c546c" xsi:nil="true"/>
+  </documentManagement>
+</p:properties>
+</file>
+
+<file path=customXml/itemProps1.xml><?xml version="1.0" encoding="utf-8"?>
+<ds:datastoreItem xmlns:ds="http://schemas.openxmlformats.org/officeDocument/2006/customXml" ds:itemID="{F7C74E43-E010-4E16-84E1-883FE1820C94}"/>
+</file>
+
+<file path=customXml/itemProps2.xml><?xml version="1.0" encoding="utf-8"?>
+<ds:datastoreItem xmlns:ds="http://schemas.openxmlformats.org/officeDocument/2006/customXml" ds:itemID="{5E2DF5A9-207D-463B-BABC-2017367F937B}"/>
+</file>
+
+<file path=customXml/itemProps3.xml><?xml version="1.0" encoding="utf-8"?>
+<ds:datastoreItem xmlns:ds="http://schemas.openxmlformats.org/officeDocument/2006/customXml" ds:itemID="{48A66ACF-4BBE-4E9C-B7C1-E242DC72E783}"/>
 </file>